--- a/03_Fitbit_Consumers/03_Presentation/01_Presentation_On_Analysis.pptx
+++ b/03_Fitbit_Consumers/03_Presentation/01_Presentation_On_Analysis.pptx
@@ -14,7 +14,8 @@
     <p:sldId id="265" r:id="rId8"/>
     <p:sldId id="266" r:id="rId9"/>
     <p:sldId id="264" r:id="rId10"/>
-    <p:sldId id="267" r:id="rId11"/>
+    <p:sldId id="269" r:id="rId11"/>
+    <p:sldId id="267" r:id="rId12"/>
   </p:sldIdLst>
   <p:sldSz cx="12192000" cy="6858000"/>
   <p:notesSz cx="6858000" cy="9144000"/>
@@ -629,7 +630,7 @@
           <a:p>
             <a:fld id="{D96E6EDC-E129-4E1E-A79E-1DDB7A40074E}" type="datetimeFigureOut">
               <a:rPr lang="en-US" smtClean="0"/>
-              <a:t>9/24/2025</a:t>
+              <a:t>10/3/2025</a:t>
             </a:fld>
             <a:endParaRPr lang="en-US" dirty="0"/>
           </a:p>
@@ -1610,7 +1611,7 @@
           <a:p>
             <a:fld id="{D96E6EDC-E129-4E1E-A79E-1DDB7A40074E}" type="datetimeFigureOut">
               <a:rPr lang="en-US" smtClean="0"/>
-              <a:t>9/24/2025</a:t>
+              <a:t>10/3/2025</a:t>
             </a:fld>
             <a:endParaRPr lang="en-US" dirty="0"/>
           </a:p>
@@ -2480,7 +2481,7 @@
           <a:p>
             <a:fld id="{D96E6EDC-E129-4E1E-A79E-1DDB7A40074E}" type="datetimeFigureOut">
               <a:rPr lang="en-US" smtClean="0"/>
-              <a:t>9/24/2025</a:t>
+              <a:t>10/3/2025</a:t>
             </a:fld>
             <a:endParaRPr lang="en-US" dirty="0"/>
           </a:p>
@@ -3501,7 +3502,7 @@
           <a:p>
             <a:fld id="{D96E6EDC-E129-4E1E-A79E-1DDB7A40074E}" type="datetimeFigureOut">
               <a:rPr lang="en-US" smtClean="0"/>
-              <a:t>9/24/2025</a:t>
+              <a:t>10/3/2025</a:t>
             </a:fld>
             <a:endParaRPr lang="en-US" dirty="0"/>
           </a:p>
@@ -4421,7 +4422,7 @@
           <a:p>
             <a:fld id="{D96E6EDC-E129-4E1E-A79E-1DDB7A40074E}" type="datetimeFigureOut">
               <a:rPr lang="en-US" smtClean="0"/>
-              <a:t>9/24/2025</a:t>
+              <a:t>10/3/2025</a:t>
             </a:fld>
             <a:endParaRPr lang="en-US" dirty="0"/>
           </a:p>
@@ -5077,7 +5078,7 @@
           <a:p>
             <a:fld id="{D96E6EDC-E129-4E1E-A79E-1DDB7A40074E}" type="datetimeFigureOut">
               <a:rPr lang="en-US" smtClean="0"/>
-              <a:t>9/24/2025</a:t>
+              <a:t>10/3/2025</a:t>
             </a:fld>
             <a:endParaRPr lang="en-US" dirty="0"/>
           </a:p>
@@ -5931,7 +5932,7 @@
           <a:p>
             <a:fld id="{D96E6EDC-E129-4E1E-A79E-1DDB7A40074E}" type="datetimeFigureOut">
               <a:rPr lang="en-US" smtClean="0"/>
-              <a:t>9/24/2025</a:t>
+              <a:t>10/3/2025</a:t>
             </a:fld>
             <a:endParaRPr lang="en-US" dirty="0"/>
           </a:p>
@@ -6114,7 +6115,7 @@
           <a:p>
             <a:fld id="{D96E6EDC-E129-4E1E-A79E-1DDB7A40074E}" type="datetimeFigureOut">
               <a:rPr lang="en-US" smtClean="0"/>
-              <a:t>9/24/2025</a:t>
+              <a:t>10/3/2025</a:t>
             </a:fld>
             <a:endParaRPr lang="en-US" dirty="0"/>
           </a:p>
@@ -6971,7 +6972,7 @@
           <a:p>
             <a:fld id="{D96E6EDC-E129-4E1E-A79E-1DDB7A40074E}" type="datetimeFigureOut">
               <a:rPr lang="en-US" smtClean="0"/>
-              <a:t>9/24/2025</a:t>
+              <a:t>10/3/2025</a:t>
             </a:fld>
             <a:endParaRPr lang="en-US" dirty="0"/>
           </a:p>
@@ -7190,7 +7191,7 @@
           <a:p>
             <a:fld id="{D96E6EDC-E129-4E1E-A79E-1DDB7A40074E}" type="datetimeFigureOut">
               <a:rPr lang="en-US" smtClean="0"/>
-              <a:t>9/24/2025</a:t>
+              <a:t>10/3/2025</a:t>
             </a:fld>
             <a:endParaRPr lang="en-US" dirty="0"/>
           </a:p>
@@ -8115,7 +8116,7 @@
           <a:p>
             <a:fld id="{D96E6EDC-E129-4E1E-A79E-1DDB7A40074E}" type="datetimeFigureOut">
               <a:rPr lang="en-US" smtClean="0"/>
-              <a:t>9/24/2025</a:t>
+              <a:t>10/3/2025</a:t>
             </a:fld>
             <a:endParaRPr lang="en-US" dirty="0"/>
           </a:p>
@@ -8399,7 +8400,7 @@
           <a:p>
             <a:fld id="{D96E6EDC-E129-4E1E-A79E-1DDB7A40074E}" type="datetimeFigureOut">
               <a:rPr lang="en-US" smtClean="0"/>
-              <a:t>9/24/2025</a:t>
+              <a:t>10/3/2025</a:t>
             </a:fld>
             <a:endParaRPr lang="en-US" dirty="0"/>
           </a:p>
@@ -8789,7 +8790,7 @@
           <a:p>
             <a:fld id="{D96E6EDC-E129-4E1E-A79E-1DDB7A40074E}" type="datetimeFigureOut">
               <a:rPr lang="en-US" smtClean="0"/>
-              <a:t>9/24/2025</a:t>
+              <a:t>10/3/2025</a:t>
             </a:fld>
             <a:endParaRPr lang="en-US" dirty="0"/>
           </a:p>
@@ -8915,7 +8916,7 @@
           <a:p>
             <a:fld id="{D96E6EDC-E129-4E1E-A79E-1DDB7A40074E}" type="datetimeFigureOut">
               <a:rPr lang="en-US" smtClean="0"/>
-              <a:t>9/24/2025</a:t>
+              <a:t>10/3/2025</a:t>
             </a:fld>
             <a:endParaRPr lang="en-US" dirty="0"/>
           </a:p>
@@ -9010,7 +9011,7 @@
           <a:p>
             <a:fld id="{D96E6EDC-E129-4E1E-A79E-1DDB7A40074E}" type="datetimeFigureOut">
               <a:rPr lang="en-US" smtClean="0"/>
-              <a:t>9/24/2025</a:t>
+              <a:t>10/3/2025</a:t>
             </a:fld>
             <a:endParaRPr lang="en-US" dirty="0"/>
           </a:p>
@@ -9981,7 +9982,7 @@
           <a:p>
             <a:fld id="{D96E6EDC-E129-4E1E-A79E-1DDB7A40074E}" type="datetimeFigureOut">
               <a:rPr lang="en-US" smtClean="0"/>
-              <a:t>9/24/2025</a:t>
+              <a:t>10/3/2025</a:t>
             </a:fld>
             <a:endParaRPr lang="en-US" dirty="0"/>
           </a:p>
@@ -10975,7 +10976,7 @@
           <a:p>
             <a:fld id="{D96E6EDC-E129-4E1E-A79E-1DDB7A40074E}" type="datetimeFigureOut">
               <a:rPr lang="en-US" smtClean="0"/>
-              <a:t>9/24/2025</a:t>
+              <a:t>10/3/2025</a:t>
             </a:fld>
             <a:endParaRPr lang="en-US" dirty="0"/>
           </a:p>
@@ -11859,7 +11860,7 @@
           <a:p>
             <a:fld id="{D96E6EDC-E129-4E1E-A79E-1DDB7A40074E}" type="datetimeFigureOut">
               <a:rPr lang="en-US" smtClean="0"/>
-              <a:t>9/24/2025</a:t>
+              <a:t>10/3/2025</a:t>
             </a:fld>
             <a:endParaRPr lang="en-US" dirty="0"/>
           </a:p>
@@ -12643,6 +12644,112 @@
   <p:cSld>
     <p:spTree>
       <p:nvGrpSpPr>
+        <p:cNvPr id="1" name="">
+          <a:extLst>
+            <a:ext uri="{FF2B5EF4-FFF2-40B4-BE49-F238E27FC236}">
+              <a16:creationId xmlns:a16="http://schemas.microsoft.com/office/drawing/2014/main" id="{63B3DE33-8693-B966-94F8-A74B2136FB1F}"/>
+            </a:ext>
+          </a:extLst>
+        </p:cNvPr>
+        <p:cNvGrpSpPr/>
+        <p:nvPr/>
+      </p:nvGrpSpPr>
+      <p:grpSpPr>
+        <a:xfrm>
+          <a:off x="0" y="0"/>
+          <a:ext cx="0" cy="0"/>
+          <a:chOff x="0" y="0"/>
+          <a:chExt cx="0" cy="0"/>
+        </a:xfrm>
+      </p:grpSpPr>
+      <p:sp>
+        <p:nvSpPr>
+          <p:cNvPr id="2" name="Title 1">
+            <a:extLst>
+              <a:ext uri="{FF2B5EF4-FFF2-40B4-BE49-F238E27FC236}">
+                <a16:creationId xmlns:a16="http://schemas.microsoft.com/office/drawing/2014/main" id="{F18C542B-D82A-9B44-AC13-794CF1511E70}"/>
+              </a:ext>
+            </a:extLst>
+          </p:cNvPr>
+          <p:cNvSpPr>
+            <a:spLocks noGrp="1"/>
+          </p:cNvSpPr>
+          <p:nvPr>
+            <p:ph type="title"/>
+          </p:nvPr>
+        </p:nvSpPr>
+        <p:spPr>
+          <a:xfrm>
+            <a:off x="397933" y="969264"/>
+            <a:ext cx="11321627" cy="704088"/>
+          </a:xfrm>
+        </p:spPr>
+        <p:txBody>
+          <a:bodyPr/>
+          <a:lstStyle/>
+          <a:p>
+            <a:pPr algn="ctr"/>
+            <a:r>
+              <a:rPr lang="en-US" b="1" dirty="0"/>
+              <a:t>Dashboard</a:t>
+            </a:r>
+          </a:p>
+        </p:txBody>
+      </p:sp>
+      <p:pic>
+        <p:nvPicPr>
+          <p:cNvPr id="4" name="Picture 3" descr="A collage of graphs and charts&#10;&#10;AI-generated content may be incorrect.">
+            <a:extLst>
+              <a:ext uri="{FF2B5EF4-FFF2-40B4-BE49-F238E27FC236}">
+                <a16:creationId xmlns:a16="http://schemas.microsoft.com/office/drawing/2014/main" id="{63FDA975-0A98-C9B6-E759-7D759871A857}"/>
+              </a:ext>
+            </a:extLst>
+          </p:cNvPr>
+          <p:cNvPicPr>
+            <a:picLocks noChangeAspect="1"/>
+          </p:cNvPicPr>
+          <p:nvPr/>
+        </p:nvPicPr>
+        <p:blipFill>
+          <a:blip r:embed="rId2" cstate="print">
+            <a:extLst>
+              <a:ext uri="{28A0092B-C50C-407E-A947-70E740481C1C}">
+                <a14:useLocalDpi xmlns:a14="http://schemas.microsoft.com/office/drawing/2010/main" val="0"/>
+              </a:ext>
+            </a:extLst>
+          </a:blip>
+          <a:stretch>
+            <a:fillRect/>
+          </a:stretch>
+        </p:blipFill>
+        <p:spPr>
+          <a:xfrm>
+            <a:off x="2988769" y="2432896"/>
+            <a:ext cx="6296055" cy="4356000"/>
+          </a:xfrm>
+          <a:prstGeom prst="rect">
+            <a:avLst/>
+          </a:prstGeom>
+        </p:spPr>
+      </p:pic>
+    </p:spTree>
+    <p:extLst>
+      <p:ext uri="{BB962C8B-B14F-4D97-AF65-F5344CB8AC3E}">
+        <p14:creationId xmlns:p14="http://schemas.microsoft.com/office/powerpoint/2010/main" val="1982951078"/>
+      </p:ext>
+    </p:extLst>
+  </p:cSld>
+  <p:clrMapOvr>
+    <a:masterClrMapping/>
+  </p:clrMapOvr>
+</p:sld>
+</file>
+
+<file path=ppt/slides/slide11.xml><?xml version="1.0" encoding="utf-8"?>
+<p:sld xmlns:a="http://schemas.openxmlformats.org/drawingml/2006/main" xmlns:r="http://schemas.openxmlformats.org/officeDocument/2006/relationships" xmlns:p="http://schemas.openxmlformats.org/presentationml/2006/main">
+  <p:cSld>
+    <p:spTree>
+      <p:nvGrpSpPr>
         <p:cNvPr id="1" name=""/>
         <p:cNvGrpSpPr/>
         <p:nvPr/>
